--- a/docker005.pptx
+++ b/docker005.pptx
@@ -212,7 +212,7 @@
           <a:p>
             <a:fld id="{63F136E3-80C6-A842-B275-74FC7A4265FC}" type="datetimeFigureOut">
               <a:rPr kumimoji="1" lang="zh-CN" altLang="en-US" smtClean="0"/>
-              <a:t>2019/5/24</a:t>
+              <a:t>2019/6/2</a:t>
             </a:fld>
             <a:endParaRPr kumimoji="1" lang="zh-CN" altLang="en-US"/>
           </a:p>
@@ -1168,19 +1168,7 @@
                 <a:ea typeface="+mn-ea"/>
                 <a:cs typeface="+mn-cs"/>
               </a:rPr>
-              <a:t>#size &amp; virtual </a:t>
-            </a:r>
-            <a:r>
-              <a:rPr lang="en-US" altLang="zh-CN" sz="1200" kern="1200" dirty="0" smtClean="0">
-                <a:solidFill>
-                  <a:schemeClr val="tx1"/>
-                </a:solidFill>
-                <a:effectLst/>
-                <a:latin typeface="+mn-lt"/>
-                <a:ea typeface="+mn-ea"/>
-                <a:cs typeface="+mn-cs"/>
-              </a:rPr>
-              <a:t>size</a:t>
+              <a:t>#size &amp; virtual size</a:t>
             </a:r>
             <a:endParaRPr lang="en-US" altLang="zh-CN" dirty="0" smtClean="0">
               <a:effectLst/>
@@ -2064,9 +2052,36 @@
               </a:rPr>
               <a:t>sshfs</a:t>
             </a:r>
-            <a:endParaRPr lang="en-US" altLang="zh-CN" dirty="0" smtClean="0">
-              <a:effectLst/>
-            </a:endParaRPr>
+            <a:r>
+              <a:rPr lang="en-US" altLang="zh-CN" dirty="0" smtClean="0">
+                <a:effectLst/>
+              </a:rPr>
+              <a:t> </a:t>
+            </a:r>
+            <a:r>
+              <a:rPr lang="en-US" altLang="zh-CN" dirty="0" err="1" smtClean="0">
+                <a:effectLst/>
+              </a:rPr>
+              <a:t>sshkey.source</a:t>
+            </a:r>
+            <a:r>
+              <a:rPr lang="en-US" altLang="zh-CN" dirty="0" smtClean="0">
+                <a:effectLst/>
+              </a:rPr>
+              <a:t>=/root/.</a:t>
+            </a:r>
+            <a:r>
+              <a:rPr lang="en-US" altLang="zh-CN" dirty="0" err="1" smtClean="0">
+                <a:effectLst/>
+              </a:rPr>
+              <a:t>ssh</a:t>
+            </a:r>
+            <a:r>
+              <a:rPr lang="en-US" altLang="zh-CN" dirty="0" smtClean="0">
+                <a:effectLst/>
+              </a:rPr>
+              <a:t>/</a:t>
+            </a:r>
           </a:p>
           <a:p>
             <a:r>
@@ -2079,7 +2094,13 @@
               <a:rPr lang="en-US" altLang="zh-CN" dirty="0" smtClean="0">
                 <a:effectLst/>
               </a:rPr>
-              <a:t> volume create --driver </a:t>
+              <a:t> </a:t>
+            </a:r>
+            <a:r>
+              <a:rPr lang="en-US" altLang="zh-CN" dirty="0" smtClean="0">
+                <a:effectLst/>
+              </a:rPr>
+              <a:t>volume create --driver </a:t>
             </a:r>
             <a:r>
               <a:rPr lang="en-US" altLang="zh-CN" dirty="0" err="1" smtClean="0">
@@ -2828,7 +2849,7 @@
           <a:effectLst/>
           <a:extLst>
             <a:ext uri="{91240B29-F687-4f45-9708-019B960494DF}">
-              <a14:hiddenLine xmlns="" xmlns:a14="http://schemas.microsoft.com/office/drawing/2010/main" w="9525">
+              <a14:hiddenLine xmlns:a14="http://schemas.microsoft.com/office/drawing/2010/main" xmlns="" w="9525">
                 <a:solidFill>
                   <a:srgbClr val="000000"/>
                 </a:solidFill>
@@ -3021,7 +3042,7 @@
             <a:fld id="{08B9EBBA-996F-894A-B54A-D6246ED52CEA}" type="datetimeFigureOut">
               <a:rPr lang="en-US" dirty="0"/>
               <a:pPr/>
-              <a:t>5/24/19</a:t>
+              <a:t>6/2/19</a:t>
             </a:fld>
             <a:endParaRPr lang="en-US" dirty="0"/>
           </a:p>
@@ -3336,7 +3357,7 @@
             <a:fld id="{18C79C5D-2A6F-F04D-97DA-BEF2467B64E4}" type="datetimeFigureOut">
               <a:rPr lang="en-US" dirty="0"/>
               <a:pPr/>
-              <a:t>5/24/19</a:t>
+              <a:t>6/2/19</a:t>
             </a:fld>
             <a:endParaRPr lang="en-US" dirty="0"/>
           </a:p>
@@ -3821,7 +3842,7 @@
             <a:fld id="{8DFA1846-DA80-1C48-A609-854EA85C59AD}" type="datetimeFigureOut">
               <a:rPr lang="en-US" dirty="0"/>
               <a:pPr/>
-              <a:t>5/24/19</a:t>
+              <a:t>6/2/19</a:t>
             </a:fld>
             <a:endParaRPr lang="en-US" dirty="0"/>
           </a:p>
@@ -4187,7 +4208,7 @@
             <a:fld id="{FBF54567-0DE4-3F47-BF90-CB84690072F9}" type="datetimeFigureOut">
               <a:rPr lang="en-US" dirty="0"/>
               <a:pPr/>
-              <a:t>5/24/19</a:t>
+              <a:t>6/2/19</a:t>
             </a:fld>
             <a:endParaRPr lang="en-US" dirty="0"/>
           </a:p>
@@ -4338,7 +4359,7 @@
           <a:ln/>
           <a:extLst>
             <a:ext uri="{91240B29-F687-4f45-9708-019B960494DF}">
-              <a14:hiddenLine xmlns="" xmlns:a14="http://schemas.microsoft.com/office/drawing/2010/main" w="9525">
+              <a14:hiddenLine xmlns:a14="http://schemas.microsoft.com/office/drawing/2010/main" xmlns="" w="9525">
                 <a:solidFill>
                   <a:srgbClr val="000000"/>
                 </a:solidFill>
@@ -4457,7 +4478,7 @@
             <a:fld id="{C6C52C72-DE31-F449-A4ED-4C594FD91407}" type="datetimeFigureOut">
               <a:rPr lang="en-US" dirty="0"/>
               <a:pPr/>
-              <a:t>5/24/19</a:t>
+              <a:t>6/2/19</a:t>
             </a:fld>
             <a:endParaRPr lang="en-US" dirty="0"/>
           </a:p>
@@ -4610,7 +4631,7 @@
           <a:ln/>
           <a:extLst>
             <a:ext uri="{91240B29-F687-4f45-9708-019B960494DF}">
-              <a14:hiddenLine xmlns="" xmlns:a14="http://schemas.microsoft.com/office/drawing/2010/main" w="9525">
+              <a14:hiddenLine xmlns:a14="http://schemas.microsoft.com/office/drawing/2010/main" xmlns="" w="9525">
                 <a:solidFill>
                   <a:srgbClr val="000000"/>
                 </a:solidFill>
@@ -4739,7 +4760,7 @@
             <a:fld id="{ED62726E-379B-B349-9EED-81ED093FA806}" type="datetimeFigureOut">
               <a:rPr lang="en-US" dirty="0"/>
               <a:pPr/>
-              <a:t>5/24/19</a:t>
+              <a:t>6/2/19</a:t>
             </a:fld>
             <a:endParaRPr lang="en-US" dirty="0"/>
           </a:p>
@@ -4890,7 +4911,7 @@
           <a:ln/>
           <a:extLst>
             <a:ext uri="{91240B29-F687-4f45-9708-019B960494DF}">
-              <a14:hiddenLine xmlns="" xmlns:a14="http://schemas.microsoft.com/office/drawing/2010/main" w="9525">
+              <a14:hiddenLine xmlns:a14="http://schemas.microsoft.com/office/drawing/2010/main" xmlns="" w="9525">
                 <a:solidFill>
                   <a:srgbClr val="000000"/>
                 </a:solidFill>
@@ -5019,7 +5040,7 @@
             <a:fld id="{9B3A1323-8D79-1946-B0D7-40001CF92E9D}" type="datetimeFigureOut">
               <a:rPr lang="en-US" dirty="0"/>
               <a:pPr/>
-              <a:t>5/24/19</a:t>
+              <a:t>6/2/19</a:t>
             </a:fld>
             <a:endParaRPr lang="en-US" dirty="0"/>
           </a:p>
@@ -5359,7 +5380,7 @@
             <a:fld id="{8DFA1846-DA80-1C48-A609-854EA85C59AD}" type="datetimeFigureOut">
               <a:rPr lang="en-US" dirty="0"/>
               <a:pPr/>
-              <a:t>5/24/19</a:t>
+              <a:t>6/2/19</a:t>
             </a:fld>
             <a:endParaRPr lang="en-US" dirty="0"/>
           </a:p>
@@ -5510,7 +5531,7 @@
           <a:ln/>
           <a:extLst>
             <a:ext uri="{91240B29-F687-4f45-9708-019B960494DF}">
-              <a14:hiddenLine xmlns="" xmlns:a14="http://schemas.microsoft.com/office/drawing/2010/main" w="9525">
+              <a14:hiddenLine xmlns:a14="http://schemas.microsoft.com/office/drawing/2010/main" xmlns="" w="9525">
                 <a:solidFill>
                   <a:srgbClr val="000000"/>
                 </a:solidFill>
@@ -5695,7 +5716,7 @@
             <a:fld id="{57302355-E14B-8545-A8F8-0FE83CC9D524}" type="datetimeFigureOut">
               <a:rPr lang="en-US" dirty="0"/>
               <a:pPr/>
-              <a:t>5/24/19</a:t>
+              <a:t>6/2/19</a:t>
             </a:fld>
             <a:endParaRPr lang="en-US" dirty="0"/>
           </a:p>
@@ -5846,7 +5867,7 @@
           <a:ln/>
           <a:extLst>
             <a:ext uri="{91240B29-F687-4f45-9708-019B960494DF}">
-              <a14:hiddenLine xmlns="" xmlns:a14="http://schemas.microsoft.com/office/drawing/2010/main" w="9525">
+              <a14:hiddenLine xmlns:a14="http://schemas.microsoft.com/office/drawing/2010/main" xmlns="" w="9525">
                 <a:solidFill>
                   <a:srgbClr val="000000"/>
                 </a:solidFill>
@@ -6169,7 +6190,7 @@
             <a:fld id="{02640F58-564D-2B4F-AE67-E407BA4FCF45}" type="datetimeFigureOut">
               <a:rPr lang="en-US" dirty="0"/>
               <a:pPr/>
-              <a:t>5/24/19</a:t>
+              <a:t>6/2/19</a:t>
             </a:fld>
             <a:endParaRPr lang="en-US" dirty="0"/>
           </a:p>
@@ -6320,7 +6341,7 @@
           <a:ln/>
           <a:extLst>
             <a:ext uri="{91240B29-F687-4f45-9708-019B960494DF}">
-              <a14:hiddenLine xmlns="" xmlns:a14="http://schemas.microsoft.com/office/drawing/2010/main" w="9525">
+              <a14:hiddenLine xmlns:a14="http://schemas.microsoft.com/office/drawing/2010/main" xmlns="" w="9525">
                 <a:solidFill>
                   <a:srgbClr val="000000"/>
                 </a:solidFill>
@@ -6387,7 +6408,7 @@
             <a:fld id="{F13A34C8-038E-2045-AF43-DF7DBB8E0E9E}" type="datetimeFigureOut">
               <a:rPr lang="en-US" dirty="0"/>
               <a:pPr/>
-              <a:t>5/24/19</a:t>
+              <a:t>6/2/19</a:t>
             </a:fld>
             <a:endParaRPr lang="en-US" dirty="0"/>
           </a:p>
@@ -6479,7 +6500,7 @@
             <a:fld id="{8818C68F-D26B-8F47-958C-23B49CF8A634}" type="datetimeFigureOut">
               <a:rPr lang="en-US" dirty="0"/>
               <a:pPr/>
-              <a:t>5/24/19</a:t>
+              <a:t>6/2/19</a:t>
             </a:fld>
             <a:endParaRPr lang="en-US" dirty="0"/>
           </a:p>
@@ -6743,7 +6764,7 @@
           <a:ln/>
           <a:extLst>
             <a:ext uri="{91240B29-F687-4f45-9708-019B960494DF}">
-              <a14:hiddenLine xmlns="" xmlns:a14="http://schemas.microsoft.com/office/drawing/2010/main" w="9525">
+              <a14:hiddenLine xmlns:a14="http://schemas.microsoft.com/office/drawing/2010/main" xmlns="" w="9525">
                 <a:solidFill>
                   <a:srgbClr val="000000"/>
                 </a:solidFill>
@@ -6943,7 +6964,7 @@
             <a:fld id="{D0DF5E60-9974-AC48-9591-99C2BB44B7CF}" type="datetimeFigureOut">
               <a:rPr lang="en-US" dirty="0"/>
               <a:pPr/>
-              <a:t>5/24/19</a:t>
+              <a:t>6/2/19</a:t>
             </a:fld>
             <a:endParaRPr lang="en-US" dirty="0"/>
           </a:p>
@@ -7253,7 +7274,7 @@
             <a:fld id="{18C79C5D-2A6F-F04D-97DA-BEF2467B64E4}" type="datetimeFigureOut">
               <a:rPr lang="en-US" dirty="0"/>
               <a:pPr/>
-              <a:t>5/24/19</a:t>
+              <a:t>6/2/19</a:t>
             </a:fld>
             <a:endParaRPr lang="en-US" dirty="0"/>
           </a:p>
@@ -7520,7 +7541,7 @@
             <a:fld id="{09B482E8-6E0E-1B4F-B1FD-C69DB9E858D9}" type="datetimeFigureOut">
               <a:rPr lang="en-US" dirty="0"/>
               <a:pPr/>
-              <a:t>5/24/19</a:t>
+              <a:t>6/2/19</a:t>
             </a:fld>
             <a:endParaRPr lang="en-US" dirty="0"/>
           </a:p>
